--- a/Lessons/Control Systems.pptx
+++ b/Lessons/Control Systems.pptx
@@ -9,9 +9,17 @@
     <p:sldId id="260" r:id="rId3"/>
     <p:sldId id="257" r:id="rId4"/>
     <p:sldId id="261" r:id="rId5"/>
-    <p:sldId id="258" r:id="rId6"/>
-    <p:sldId id="262" r:id="rId7"/>
-    <p:sldId id="259" r:id="rId8"/>
+    <p:sldId id="266" r:id="rId6"/>
+    <p:sldId id="258" r:id="rId7"/>
+    <p:sldId id="262" r:id="rId8"/>
+    <p:sldId id="264" r:id="rId9"/>
+    <p:sldId id="267" r:id="rId10"/>
+    <p:sldId id="265" r:id="rId11"/>
+    <p:sldId id="268" r:id="rId12"/>
+    <p:sldId id="269" r:id="rId13"/>
+    <p:sldId id="270" r:id="rId14"/>
+    <p:sldId id="263" r:id="rId15"/>
+    <p:sldId id="259" r:id="rId16"/>
   </p:sldIdLst>
   <p:sldSz cx="12192000" cy="6858000"/>
   <p:notesSz cx="6858000" cy="9144000"/>
@@ -840,7 +848,7 @@
           <a:p>
             <a:fld id="{22653A53-0263-4573-960E-03435A7FC6DC}" type="datetimeFigureOut">
               <a:rPr lang="en-US" smtClean="0"/>
-              <a:t>9/19/2015</a:t>
+              <a:t>10/2/2015</a:t>
             </a:fld>
             <a:endParaRPr lang="en-US"/>
           </a:p>
@@ -1091,7 +1099,7 @@
           <a:p>
             <a:fld id="{22653A53-0263-4573-960E-03435A7FC6DC}" type="datetimeFigureOut">
               <a:rPr lang="en-US" smtClean="0"/>
-              <a:t>9/19/2015</a:t>
+              <a:t>10/2/2015</a:t>
             </a:fld>
             <a:endParaRPr lang="en-US"/>
           </a:p>
@@ -1405,7 +1413,7 @@
           <a:p>
             <a:fld id="{22653A53-0263-4573-960E-03435A7FC6DC}" type="datetimeFigureOut">
               <a:rPr lang="en-US" smtClean="0"/>
-              <a:t>9/19/2015</a:t>
+              <a:t>10/2/2015</a:t>
             </a:fld>
             <a:endParaRPr lang="en-US"/>
           </a:p>
@@ -1746,7 +1754,7 @@
           <a:p>
             <a:fld id="{22653A53-0263-4573-960E-03435A7FC6DC}" type="datetimeFigureOut">
               <a:rPr lang="en-US" smtClean="0"/>
-              <a:t>9/19/2015</a:t>
+              <a:t>10/2/2015</a:t>
             </a:fld>
             <a:endParaRPr lang="en-US"/>
           </a:p>
@@ -2060,7 +2068,7 @@
           <a:p>
             <a:fld id="{22653A53-0263-4573-960E-03435A7FC6DC}" type="datetimeFigureOut">
               <a:rPr lang="en-US" smtClean="0"/>
-              <a:t>9/19/2015</a:t>
+              <a:t>10/2/2015</a:t>
             </a:fld>
             <a:endParaRPr lang="en-US"/>
           </a:p>
@@ -2453,7 +2461,7 @@
           <a:p>
             <a:fld id="{22653A53-0263-4573-960E-03435A7FC6DC}" type="datetimeFigureOut">
               <a:rPr lang="en-US" smtClean="0"/>
-              <a:t>9/19/2015</a:t>
+              <a:t>10/2/2015</a:t>
             </a:fld>
             <a:endParaRPr lang="en-US"/>
           </a:p>
@@ -2623,7 +2631,7 @@
           <a:p>
             <a:fld id="{22653A53-0263-4573-960E-03435A7FC6DC}" type="datetimeFigureOut">
               <a:rPr lang="en-US" smtClean="0"/>
-              <a:t>9/19/2015</a:t>
+              <a:t>10/2/2015</a:t>
             </a:fld>
             <a:endParaRPr lang="en-US"/>
           </a:p>
@@ -2803,7 +2811,7 @@
           <a:p>
             <a:fld id="{22653A53-0263-4573-960E-03435A7FC6DC}" type="datetimeFigureOut">
               <a:rPr lang="en-US" smtClean="0"/>
-              <a:t>9/19/2015</a:t>
+              <a:t>10/2/2015</a:t>
             </a:fld>
             <a:endParaRPr lang="en-US"/>
           </a:p>
@@ -2979,7 +2987,7 @@
           <a:p>
             <a:fld id="{22653A53-0263-4573-960E-03435A7FC6DC}" type="datetimeFigureOut">
               <a:rPr lang="en-US" smtClean="0"/>
-              <a:t>9/19/2015</a:t>
+              <a:t>10/2/2015</a:t>
             </a:fld>
             <a:endParaRPr lang="en-US"/>
           </a:p>
@@ -3226,7 +3234,7 @@
           <a:p>
             <a:fld id="{22653A53-0263-4573-960E-03435A7FC6DC}" type="datetimeFigureOut">
               <a:rPr lang="en-US" smtClean="0"/>
-              <a:t>9/19/2015</a:t>
+              <a:t>10/2/2015</a:t>
             </a:fld>
             <a:endParaRPr lang="en-US"/>
           </a:p>
@@ -3458,7 +3466,7 @@
           <a:p>
             <a:fld id="{22653A53-0263-4573-960E-03435A7FC6DC}" type="datetimeFigureOut">
               <a:rPr lang="en-US" smtClean="0"/>
-              <a:t>9/19/2015</a:t>
+              <a:t>10/2/2015</a:t>
             </a:fld>
             <a:endParaRPr lang="en-US"/>
           </a:p>
@@ -3832,7 +3840,7 @@
           <a:p>
             <a:fld id="{22653A53-0263-4573-960E-03435A7FC6DC}" type="datetimeFigureOut">
               <a:rPr lang="en-US" smtClean="0"/>
-              <a:t>9/19/2015</a:t>
+              <a:t>10/2/2015</a:t>
             </a:fld>
             <a:endParaRPr lang="en-US"/>
           </a:p>
@@ -3955,7 +3963,7 @@
           <a:p>
             <a:fld id="{22653A53-0263-4573-960E-03435A7FC6DC}" type="datetimeFigureOut">
               <a:rPr lang="en-US" smtClean="0"/>
-              <a:t>9/19/2015</a:t>
+              <a:t>10/2/2015</a:t>
             </a:fld>
             <a:endParaRPr lang="en-US"/>
           </a:p>
@@ -4050,7 +4058,7 @@
           <a:p>
             <a:fld id="{22653A53-0263-4573-960E-03435A7FC6DC}" type="datetimeFigureOut">
               <a:rPr lang="en-US" smtClean="0"/>
-              <a:t>9/19/2015</a:t>
+              <a:t>10/2/2015</a:t>
             </a:fld>
             <a:endParaRPr lang="en-US"/>
           </a:p>
@@ -4305,7 +4313,7 @@
           <a:p>
             <a:fld id="{22653A53-0263-4573-960E-03435A7FC6DC}" type="datetimeFigureOut">
               <a:rPr lang="en-US" smtClean="0"/>
-              <a:t>9/19/2015</a:t>
+              <a:t>10/2/2015</a:t>
             </a:fld>
             <a:endParaRPr lang="en-US"/>
           </a:p>
@@ -4568,7 +4576,7 @@
           <a:p>
             <a:fld id="{22653A53-0263-4573-960E-03435A7FC6DC}" type="datetimeFigureOut">
               <a:rPr lang="en-US" smtClean="0"/>
-              <a:t>9/19/2015</a:t>
+              <a:t>10/2/2015</a:t>
             </a:fld>
             <a:endParaRPr lang="en-US"/>
           </a:p>
@@ -5311,7 +5319,7 @@
           <a:p>
             <a:fld id="{22653A53-0263-4573-960E-03435A7FC6DC}" type="datetimeFigureOut">
               <a:rPr lang="en-US" smtClean="0"/>
-              <a:t>9/19/2015</a:t>
+              <a:t>10/2/2015</a:t>
             </a:fld>
             <a:endParaRPr lang="en-US"/>
           </a:p>
@@ -5907,6 +5915,447 @@
 </p:sld>
 </file>
 
+<file path=ppt/slides/slide10.xml><?xml version="1.0" encoding="utf-8"?>
+<p:sld xmlns:a="http://schemas.openxmlformats.org/drawingml/2006/main" xmlns:r="http://schemas.openxmlformats.org/officeDocument/2006/relationships" xmlns:p="http://schemas.openxmlformats.org/presentationml/2006/main">
+  <p:cSld>
+    <p:spTree>
+      <p:nvGrpSpPr>
+        <p:cNvPr id="1" name=""/>
+        <p:cNvGrpSpPr/>
+        <p:nvPr/>
+      </p:nvGrpSpPr>
+      <p:grpSpPr>
+        <a:xfrm>
+          <a:off x="0" y="0"/>
+          <a:ext cx="0" cy="0"/>
+          <a:chOff x="0" y="0"/>
+          <a:chExt cx="0" cy="0"/>
+        </a:xfrm>
+      </p:grpSpPr>
+      <p:sp>
+        <p:nvSpPr>
+          <p:cNvPr id="2" name="Title 1"/>
+          <p:cNvSpPr>
+            <a:spLocks noGrp="1"/>
+          </p:cNvSpPr>
+          <p:nvPr>
+            <p:ph type="title"/>
+          </p:nvPr>
+        </p:nvSpPr>
+        <p:spPr/>
+        <p:txBody>
+          <a:bodyPr/>
+          <a:lstStyle/>
+          <a:p>
+            <a:r>
+              <a:rPr lang="en-US" dirty="0" smtClean="0"/>
+              <a:t>Good Wiring Practices</a:t>
+            </a:r>
+            <a:endParaRPr lang="en-US" dirty="0"/>
+          </a:p>
+        </p:txBody>
+      </p:sp>
+      <p:pic>
+        <p:nvPicPr>
+          <p:cNvPr id="6" name="Picture Placeholder 5"/>
+          <p:cNvPicPr>
+            <a:picLocks noGrp="1" noChangeAspect="1"/>
+          </p:cNvPicPr>
+          <p:nvPr>
+            <p:ph type="pic" idx="1"/>
+          </p:nvPr>
+        </p:nvPicPr>
+        <p:blipFill rotWithShape="1">
+          <a:blip r:embed="rId2">
+            <a:extLst>
+              <a:ext uri="{28A0092B-C50C-407E-A947-70E740481C1C}">
+                <a14:useLocalDpi xmlns:a14="http://schemas.microsoft.com/office/drawing/2010/main" val="0"/>
+              </a:ext>
+            </a:extLst>
+          </a:blip>
+          <a:srcRect l="242" t="27755" r="-242" b="12609"/>
+          <a:stretch/>
+        </p:blipFill>
+        <p:spPr/>
+      </p:pic>
+    </p:spTree>
+    <p:extLst>
+      <p:ext uri="{BB962C8B-B14F-4D97-AF65-F5344CB8AC3E}">
+        <p14:creationId xmlns:p14="http://schemas.microsoft.com/office/powerpoint/2010/main" val="1672000270"/>
+      </p:ext>
+    </p:extLst>
+  </p:cSld>
+  <p:clrMapOvr>
+    <a:masterClrMapping/>
+  </p:clrMapOvr>
+</p:sld>
+</file>
+
+<file path=ppt/slides/slide11.xml><?xml version="1.0" encoding="utf-8"?>
+<p:sld xmlns:a="http://schemas.openxmlformats.org/drawingml/2006/main" xmlns:r="http://schemas.openxmlformats.org/officeDocument/2006/relationships" xmlns:p="http://schemas.openxmlformats.org/presentationml/2006/main">
+  <p:cSld>
+    <p:spTree>
+      <p:nvGrpSpPr>
+        <p:cNvPr id="1" name=""/>
+        <p:cNvGrpSpPr/>
+        <p:nvPr/>
+      </p:nvGrpSpPr>
+      <p:grpSpPr>
+        <a:xfrm>
+          <a:off x="0" y="0"/>
+          <a:ext cx="0" cy="0"/>
+          <a:chOff x="0" y="0"/>
+          <a:chExt cx="0" cy="0"/>
+        </a:xfrm>
+      </p:grpSpPr>
+      <p:sp>
+        <p:nvSpPr>
+          <p:cNvPr id="5" name="Title 4"/>
+          <p:cNvSpPr>
+            <a:spLocks noGrp="1"/>
+          </p:cNvSpPr>
+          <p:nvPr>
+            <p:ph type="title"/>
+          </p:nvPr>
+        </p:nvSpPr>
+        <p:spPr/>
+        <p:txBody>
+          <a:bodyPr/>
+          <a:lstStyle/>
+          <a:p>
+            <a:r>
+              <a:rPr lang="en-US" dirty="0" smtClean="0"/>
+              <a:t>Tips for good wiring</a:t>
+            </a:r>
+            <a:endParaRPr lang="en-US" dirty="0"/>
+          </a:p>
+        </p:txBody>
+      </p:sp>
+      <p:sp>
+        <p:nvSpPr>
+          <p:cNvPr id="6" name="Content Placeholder 5"/>
+          <p:cNvSpPr>
+            <a:spLocks noGrp="1"/>
+          </p:cNvSpPr>
+          <p:nvPr>
+            <p:ph idx="1"/>
+          </p:nvPr>
+        </p:nvSpPr>
+        <p:spPr/>
+        <p:txBody>
+          <a:bodyPr/>
+          <a:lstStyle/>
+          <a:p>
+            <a:endParaRPr lang="en-US" dirty="0"/>
+          </a:p>
+        </p:txBody>
+      </p:sp>
+    </p:spTree>
+    <p:extLst>
+      <p:ext uri="{BB962C8B-B14F-4D97-AF65-F5344CB8AC3E}">
+        <p14:creationId xmlns:p14="http://schemas.microsoft.com/office/powerpoint/2010/main" val="1486144184"/>
+      </p:ext>
+    </p:extLst>
+  </p:cSld>
+  <p:clrMapOvr>
+    <a:masterClrMapping/>
+  </p:clrMapOvr>
+</p:sld>
+</file>
+
+<file path=ppt/slides/slide12.xml><?xml version="1.0" encoding="utf-8"?>
+<p:sld xmlns:a="http://schemas.openxmlformats.org/drawingml/2006/main" xmlns:r="http://schemas.openxmlformats.org/officeDocument/2006/relationships" xmlns:p="http://schemas.openxmlformats.org/presentationml/2006/main">
+  <p:cSld>
+    <p:spTree>
+      <p:nvGrpSpPr>
+        <p:cNvPr id="1" name=""/>
+        <p:cNvGrpSpPr/>
+        <p:nvPr/>
+      </p:nvGrpSpPr>
+      <p:grpSpPr>
+        <a:xfrm>
+          <a:off x="0" y="0"/>
+          <a:ext cx="0" cy="0"/>
+          <a:chOff x="0" y="0"/>
+          <a:chExt cx="0" cy="0"/>
+        </a:xfrm>
+      </p:grpSpPr>
+      <p:sp>
+        <p:nvSpPr>
+          <p:cNvPr id="7" name="Title 6"/>
+          <p:cNvSpPr>
+            <a:spLocks noGrp="1"/>
+          </p:cNvSpPr>
+          <p:nvPr>
+            <p:ph type="title"/>
+          </p:nvPr>
+        </p:nvSpPr>
+        <p:spPr/>
+        <p:txBody>
+          <a:bodyPr/>
+          <a:lstStyle/>
+          <a:p>
+            <a:r>
+              <a:rPr lang="en-US" dirty="0" smtClean="0"/>
+              <a:t>Using a </a:t>
+            </a:r>
+            <a:r>
+              <a:rPr lang="en-US" dirty="0" err="1" smtClean="0"/>
+              <a:t>Multimeter</a:t>
+            </a:r>
+            <a:endParaRPr lang="en-US" dirty="0"/>
+          </a:p>
+        </p:txBody>
+      </p:sp>
+      <p:sp>
+        <p:nvSpPr>
+          <p:cNvPr id="8" name="Picture Placeholder 7"/>
+          <p:cNvSpPr>
+            <a:spLocks noGrp="1"/>
+          </p:cNvSpPr>
+          <p:nvPr>
+            <p:ph type="pic" idx="1"/>
+          </p:nvPr>
+        </p:nvSpPr>
+        <p:spPr/>
+      </p:sp>
+    </p:spTree>
+    <p:extLst>
+      <p:ext uri="{BB962C8B-B14F-4D97-AF65-F5344CB8AC3E}">
+        <p14:creationId xmlns:p14="http://schemas.microsoft.com/office/powerpoint/2010/main" val="395246944"/>
+      </p:ext>
+    </p:extLst>
+  </p:cSld>
+  <p:clrMapOvr>
+    <a:masterClrMapping/>
+  </p:clrMapOvr>
+</p:sld>
+</file>
+
+<file path=ppt/slides/slide13.xml><?xml version="1.0" encoding="utf-8"?>
+<p:sld xmlns:a="http://schemas.openxmlformats.org/drawingml/2006/main" xmlns:r="http://schemas.openxmlformats.org/officeDocument/2006/relationships" xmlns:p="http://schemas.openxmlformats.org/presentationml/2006/main">
+  <p:cSld>
+    <p:spTree>
+      <p:nvGrpSpPr>
+        <p:cNvPr id="1" name=""/>
+        <p:cNvGrpSpPr/>
+        <p:nvPr/>
+      </p:nvGrpSpPr>
+      <p:grpSpPr>
+        <a:xfrm>
+          <a:off x="0" y="0"/>
+          <a:ext cx="0" cy="0"/>
+          <a:chOff x="0" y="0"/>
+          <a:chExt cx="0" cy="0"/>
+        </a:xfrm>
+      </p:grpSpPr>
+      <p:sp>
+        <p:nvSpPr>
+          <p:cNvPr id="5" name="Title 4"/>
+          <p:cNvSpPr>
+            <a:spLocks noGrp="1"/>
+          </p:cNvSpPr>
+          <p:nvPr>
+            <p:ph type="title"/>
+          </p:nvPr>
+        </p:nvSpPr>
+        <p:spPr/>
+        <p:txBody>
+          <a:bodyPr/>
+          <a:lstStyle/>
+          <a:p>
+            <a:r>
+              <a:rPr lang="en-US" dirty="0" smtClean="0"/>
+              <a:t>Tips for using a </a:t>
+            </a:r>
+            <a:r>
+              <a:rPr lang="en-US" smtClean="0"/>
+              <a:t>Multimeter</a:t>
+            </a:r>
+            <a:endParaRPr lang="en-US"/>
+          </a:p>
+        </p:txBody>
+      </p:sp>
+      <p:sp>
+        <p:nvSpPr>
+          <p:cNvPr id="6" name="Content Placeholder 5"/>
+          <p:cNvSpPr>
+            <a:spLocks noGrp="1"/>
+          </p:cNvSpPr>
+          <p:nvPr>
+            <p:ph idx="1"/>
+          </p:nvPr>
+        </p:nvSpPr>
+        <p:spPr/>
+        <p:txBody>
+          <a:bodyPr/>
+          <a:lstStyle/>
+          <a:p>
+            <a:endParaRPr lang="en-US"/>
+          </a:p>
+        </p:txBody>
+      </p:sp>
+    </p:spTree>
+    <p:extLst>
+      <p:ext uri="{BB962C8B-B14F-4D97-AF65-F5344CB8AC3E}">
+        <p14:creationId xmlns:p14="http://schemas.microsoft.com/office/powerpoint/2010/main" val="3839349054"/>
+      </p:ext>
+    </p:extLst>
+  </p:cSld>
+  <p:clrMapOvr>
+    <a:masterClrMapping/>
+  </p:clrMapOvr>
+</p:sld>
+</file>
+
+<file path=ppt/slides/slide14.xml><?xml version="1.0" encoding="utf-8"?>
+<p:sld xmlns:a="http://schemas.openxmlformats.org/drawingml/2006/main" xmlns:r="http://schemas.openxmlformats.org/officeDocument/2006/relationships" xmlns:p="http://schemas.openxmlformats.org/presentationml/2006/main">
+  <p:cSld>
+    <p:spTree>
+      <p:nvGrpSpPr>
+        <p:cNvPr id="1" name=""/>
+        <p:cNvGrpSpPr/>
+        <p:nvPr/>
+      </p:nvGrpSpPr>
+      <p:grpSpPr>
+        <a:xfrm>
+          <a:off x="0" y="0"/>
+          <a:ext cx="0" cy="0"/>
+          <a:chOff x="0" y="0"/>
+          <a:chExt cx="0" cy="0"/>
+        </a:xfrm>
+      </p:grpSpPr>
+      <p:sp>
+        <p:nvSpPr>
+          <p:cNvPr id="2" name="Title 1"/>
+          <p:cNvSpPr>
+            <a:spLocks noGrp="1"/>
+          </p:cNvSpPr>
+          <p:nvPr>
+            <p:ph type="title"/>
+          </p:nvPr>
+        </p:nvSpPr>
+        <p:spPr/>
+        <p:txBody>
+          <a:bodyPr/>
+          <a:lstStyle/>
+          <a:p>
+            <a:r>
+              <a:rPr lang="en-US" dirty="0" smtClean="0"/>
+              <a:t>Wiring Table</a:t>
+            </a:r>
+            <a:endParaRPr lang="en-US" dirty="0"/>
+          </a:p>
+        </p:txBody>
+      </p:sp>
+      <p:sp>
+        <p:nvSpPr>
+          <p:cNvPr id="3" name="Content Placeholder 2"/>
+          <p:cNvSpPr>
+            <a:spLocks noGrp="1"/>
+          </p:cNvSpPr>
+          <p:nvPr>
+            <p:ph idx="1"/>
+          </p:nvPr>
+        </p:nvSpPr>
+        <p:spPr/>
+        <p:txBody>
+          <a:bodyPr/>
+          <a:lstStyle/>
+          <a:p>
+            <a:endParaRPr lang="en-US"/>
+          </a:p>
+        </p:txBody>
+      </p:sp>
+    </p:spTree>
+    <p:extLst>
+      <p:ext uri="{BB962C8B-B14F-4D97-AF65-F5344CB8AC3E}">
+        <p14:creationId xmlns:p14="http://schemas.microsoft.com/office/powerpoint/2010/main" val="279866129"/>
+      </p:ext>
+    </p:extLst>
+  </p:cSld>
+  <p:clrMapOvr>
+    <a:masterClrMapping/>
+  </p:clrMapOvr>
+</p:sld>
+</file>
+
+<file path=ppt/slides/slide15.xml><?xml version="1.0" encoding="utf-8"?>
+<p:sld xmlns:a="http://schemas.openxmlformats.org/drawingml/2006/main" xmlns:r="http://schemas.openxmlformats.org/officeDocument/2006/relationships" xmlns:p="http://schemas.openxmlformats.org/presentationml/2006/main">
+  <p:cSld>
+    <p:spTree>
+      <p:nvGrpSpPr>
+        <p:cNvPr id="1" name=""/>
+        <p:cNvGrpSpPr/>
+        <p:nvPr/>
+      </p:nvGrpSpPr>
+      <p:grpSpPr>
+        <a:xfrm>
+          <a:off x="0" y="0"/>
+          <a:ext cx="0" cy="0"/>
+          <a:chOff x="0" y="0"/>
+          <a:chExt cx="0" cy="0"/>
+        </a:xfrm>
+      </p:grpSpPr>
+      <p:sp>
+        <p:nvSpPr>
+          <p:cNvPr id="2" name="Title 1"/>
+          <p:cNvSpPr>
+            <a:spLocks noGrp="1"/>
+          </p:cNvSpPr>
+          <p:nvPr>
+            <p:ph type="title"/>
+          </p:nvPr>
+        </p:nvSpPr>
+        <p:spPr/>
+        <p:txBody>
+          <a:bodyPr/>
+          <a:lstStyle/>
+          <a:p>
+            <a:r>
+              <a:rPr lang="en-US" dirty="0" smtClean="0"/>
+              <a:t>Programming</a:t>
+            </a:r>
+            <a:endParaRPr lang="en-US" dirty="0"/>
+          </a:p>
+        </p:txBody>
+      </p:sp>
+      <p:sp>
+        <p:nvSpPr>
+          <p:cNvPr id="3" name="Text Placeholder 2"/>
+          <p:cNvSpPr>
+            <a:spLocks noGrp="1"/>
+          </p:cNvSpPr>
+          <p:nvPr>
+            <p:ph type="body" idx="1"/>
+          </p:nvPr>
+        </p:nvSpPr>
+        <p:spPr/>
+        <p:txBody>
+          <a:bodyPr/>
+          <a:lstStyle/>
+          <a:p>
+            <a:r>
+              <a:rPr lang="en-US" dirty="0" smtClean="0"/>
+              <a:t>Instructions to the system</a:t>
+            </a:r>
+            <a:endParaRPr lang="en-US" dirty="0"/>
+          </a:p>
+        </p:txBody>
+      </p:sp>
+    </p:spTree>
+    <p:extLst>
+      <p:ext uri="{BB962C8B-B14F-4D97-AF65-F5344CB8AC3E}">
+        <p14:creationId xmlns:p14="http://schemas.microsoft.com/office/powerpoint/2010/main" val="1593660521"/>
+      </p:ext>
+    </p:extLst>
+  </p:cSld>
+  <p:clrMapOvr>
+    <a:masterClrMapping/>
+  </p:clrMapOvr>
+</p:sld>
+</file>
+
 <file path=ppt/slides/slide2.xml><?xml version="1.0" encoding="utf-8"?>
 <p:sld xmlns:a="http://schemas.openxmlformats.org/drawingml/2006/main" xmlns:r="http://schemas.openxmlformats.org/officeDocument/2006/relationships" xmlns:p="http://schemas.openxmlformats.org/presentationml/2006/main">
   <p:cSld>
@@ -6141,29 +6590,43 @@
           <a:bodyPr/>
           <a:lstStyle/>
           <a:p>
+            <a:r>
+              <a:rPr lang="en-US" dirty="0" smtClean="0"/>
+              <a:t>Brief Overview</a:t>
+            </a:r>
             <a:endParaRPr lang="en-US" dirty="0"/>
           </a:p>
         </p:txBody>
       </p:sp>
-      <p:sp>
-        <p:nvSpPr>
-          <p:cNvPr id="5" name="Content Placeholder 4"/>
-          <p:cNvSpPr>
-            <a:spLocks noGrp="1"/>
-          </p:cNvSpPr>
+      <p:pic>
+        <p:nvPicPr>
+          <p:cNvPr id="2" name="Content Placeholder 1"/>
+          <p:cNvPicPr>
+            <a:picLocks noGrp="1" noChangeAspect="1"/>
+          </p:cNvPicPr>
           <p:nvPr>
             <p:ph idx="1"/>
           </p:nvPr>
-        </p:nvSpPr>
-        <p:spPr/>
-        <p:txBody>
-          <a:bodyPr/>
-          <a:lstStyle/>
-          <a:p>
-            <a:endParaRPr lang="en-US" dirty="0"/>
-          </a:p>
-        </p:txBody>
-      </p:sp>
+        </p:nvPicPr>
+        <p:blipFill>
+          <a:blip r:embed="rId2">
+            <a:extLst>
+              <a:ext uri="{28A0092B-C50C-407E-A947-70E740481C1C}">
+                <a14:useLocalDpi xmlns:a14="http://schemas.microsoft.com/office/drawing/2010/main" val="0"/>
+              </a:ext>
+            </a:extLst>
+          </a:blip>
+          <a:stretch>
+            <a:fillRect/>
+          </a:stretch>
+        </p:blipFill>
+        <p:spPr>
+          <a:xfrm>
+            <a:off x="1583297" y="2067070"/>
+            <a:ext cx="7014043" cy="3881437"/>
+          </a:xfrm>
+        </p:spPr>
+      </p:pic>
     </p:spTree>
     <p:extLst>
       <p:ext uri="{BB962C8B-B14F-4D97-AF65-F5344CB8AC3E}">
@@ -6211,39 +6674,53 @@
           <a:p>
             <a:r>
               <a:rPr lang="en-US" dirty="0" smtClean="0"/>
-              <a:t>Wiring</a:t>
+              <a:t>NI </a:t>
+            </a:r>
+            <a:r>
+              <a:rPr lang="en-US" dirty="0" err="1" smtClean="0"/>
+              <a:t>roboRIO</a:t>
+            </a:r>
+            <a:r>
+              <a:rPr lang="en-US" dirty="0" smtClean="0"/>
+              <a:t> (Main Control Board)</a:t>
             </a:r>
             <a:endParaRPr lang="en-US" dirty="0"/>
           </a:p>
         </p:txBody>
       </p:sp>
-      <p:sp>
-        <p:nvSpPr>
-          <p:cNvPr id="3" name="Text Placeholder 2"/>
-          <p:cNvSpPr>
-            <a:spLocks noGrp="1"/>
-          </p:cNvSpPr>
-          <p:nvPr>
-            <p:ph type="body" idx="1"/>
-          </p:nvPr>
-        </p:nvSpPr>
-        <p:spPr/>
-        <p:txBody>
-          <a:bodyPr/>
-          <a:lstStyle/>
-          <a:p>
-            <a:r>
-              <a:rPr lang="en-US" dirty="0" smtClean="0"/>
-              <a:t>Communication pathways</a:t>
-            </a:r>
-            <a:endParaRPr lang="en-US" dirty="0"/>
-          </a:p>
-        </p:txBody>
-      </p:sp>
+      <p:pic>
+        <p:nvPicPr>
+          <p:cNvPr id="6" name="Content Placeholder 5"/>
+          <p:cNvPicPr>
+            <a:picLocks noGrp="1" noChangeAspect="1"/>
+          </p:cNvPicPr>
+          <p:nvPr>
+            <p:ph idx="1"/>
+          </p:nvPr>
+        </p:nvPicPr>
+        <p:blipFill>
+          <a:blip r:embed="rId2">
+            <a:extLst>
+              <a:ext uri="{28A0092B-C50C-407E-A947-70E740481C1C}">
+                <a14:useLocalDpi xmlns:a14="http://schemas.microsoft.com/office/drawing/2010/main" val="0"/>
+              </a:ext>
+            </a:extLst>
+          </a:blip>
+          <a:stretch>
+            <a:fillRect/>
+          </a:stretch>
+        </p:blipFill>
+        <p:spPr>
+          <a:xfrm>
+            <a:off x="2594769" y="2429669"/>
+            <a:ext cx="4762500" cy="3343275"/>
+          </a:xfrm>
+        </p:spPr>
+      </p:pic>
     </p:spTree>
     <p:extLst>
       <p:ext uri="{BB962C8B-B14F-4D97-AF65-F5344CB8AC3E}">
-        <p14:creationId xmlns:p14="http://schemas.microsoft.com/office/powerpoint/2010/main" val="1390041651"/>
+        <p14:creationId xmlns:p14="http://schemas.microsoft.com/office/powerpoint/2010/main" val="1600012890"/>
       </p:ext>
     </p:extLst>
   </p:cSld>
@@ -6272,7 +6749,7 @@
       </p:grpSpPr>
       <p:sp>
         <p:nvSpPr>
-          <p:cNvPr id="4" name="Title 3"/>
+          <p:cNvPr id="2" name="Title 1"/>
           <p:cNvSpPr>
             <a:spLocks noGrp="1"/>
           </p:cNvSpPr>
@@ -6287,7 +6764,7 @@
           <a:p>
             <a:r>
               <a:rPr lang="en-US" dirty="0" smtClean="0"/>
-              <a:t>Wire Types and Components</a:t>
+              <a:t>Wiring</a:t>
             </a:r>
             <a:endParaRPr lang="en-US" dirty="0"/>
           </a:p>
@@ -6295,12 +6772,12 @@
       </p:sp>
       <p:sp>
         <p:nvSpPr>
-          <p:cNvPr id="5" name="Content Placeholder 4"/>
-          <p:cNvSpPr>
-            <a:spLocks noGrp="1"/>
-          </p:cNvSpPr>
-          <p:nvPr>
-            <p:ph idx="1"/>
+          <p:cNvPr id="3" name="Text Placeholder 2"/>
+          <p:cNvSpPr>
+            <a:spLocks noGrp="1"/>
+          </p:cNvSpPr>
+          <p:nvPr>
+            <p:ph type="body" idx="1"/>
           </p:nvPr>
         </p:nvSpPr>
         <p:spPr/>
@@ -6310,55 +6787,7 @@
           <a:p>
             <a:r>
               <a:rPr lang="en-US" dirty="0" smtClean="0"/>
-              <a:t>Stranded vs Solid Core</a:t>
-            </a:r>
-          </a:p>
-          <a:p>
-            <a:r>
-              <a:rPr lang="en-US" dirty="0" smtClean="0"/>
-              <a:t>Male vs. </a:t>
-            </a:r>
-            <a:r>
-              <a:rPr lang="en-US" smtClean="0"/>
-              <a:t>Female</a:t>
-            </a:r>
-            <a:endParaRPr lang="en-US" dirty="0" smtClean="0"/>
-          </a:p>
-          <a:p>
-            <a:r>
-              <a:rPr lang="en-US" dirty="0" smtClean="0"/>
-              <a:t>10 – 22 AWG</a:t>
-            </a:r>
-          </a:p>
-          <a:p>
-            <a:pPr lvl="1"/>
-            <a:r>
-              <a:rPr lang="en-US" dirty="0" smtClean="0"/>
-              <a:t>Smaller the number the thicker the wire</a:t>
-            </a:r>
-          </a:p>
-          <a:p>
-            <a:r>
-              <a:rPr lang="en-US" dirty="0" smtClean="0"/>
-              <a:t>PWM (3-wire ribbon cable)</a:t>
-            </a:r>
-          </a:p>
-          <a:p>
-            <a:r>
-              <a:rPr lang="en-US" dirty="0" smtClean="0"/>
-              <a:t>Crimp Connectors</a:t>
-            </a:r>
-          </a:p>
-          <a:p>
-            <a:r>
-              <a:rPr lang="en-US" dirty="0" smtClean="0"/>
-              <a:t>Anderson Connectors</a:t>
-            </a:r>
-          </a:p>
-          <a:p>
-            <a:r>
-              <a:rPr lang="en-US" dirty="0" smtClean="0"/>
-              <a:t>Solder Connections</a:t>
+              <a:t>Communication pathways</a:t>
             </a:r>
             <a:endParaRPr lang="en-US" dirty="0"/>
           </a:p>
@@ -6367,7 +6796,7 @@
     </p:spTree>
     <p:extLst>
       <p:ext uri="{BB962C8B-B14F-4D97-AF65-F5344CB8AC3E}">
-        <p14:creationId xmlns:p14="http://schemas.microsoft.com/office/powerpoint/2010/main" val="2340169117"/>
+        <p14:creationId xmlns:p14="http://schemas.microsoft.com/office/powerpoint/2010/main" val="1390041651"/>
       </p:ext>
     </p:extLst>
   </p:cSld>
@@ -6396,7 +6825,7 @@
       </p:grpSpPr>
       <p:sp>
         <p:nvSpPr>
-          <p:cNvPr id="2" name="Title 1"/>
+          <p:cNvPr id="4" name="Title 3"/>
           <p:cNvSpPr>
             <a:spLocks noGrp="1"/>
           </p:cNvSpPr>
@@ -6411,7 +6840,7 @@
           <a:p>
             <a:r>
               <a:rPr lang="en-US" dirty="0" smtClean="0"/>
-              <a:t>Programming</a:t>
+              <a:t>Wire Types and Components</a:t>
             </a:r>
             <a:endParaRPr lang="en-US" dirty="0"/>
           </a:p>
@@ -6419,12 +6848,12 @@
       </p:sp>
       <p:sp>
         <p:nvSpPr>
-          <p:cNvPr id="3" name="Text Placeholder 2"/>
-          <p:cNvSpPr>
-            <a:spLocks noGrp="1"/>
-          </p:cNvSpPr>
-          <p:nvPr>
-            <p:ph type="body" idx="1"/>
+          <p:cNvPr id="5" name="Content Placeholder 4"/>
+          <p:cNvSpPr>
+            <a:spLocks noGrp="1"/>
+          </p:cNvSpPr>
+          <p:nvPr>
+            <p:ph idx="1"/>
           </p:nvPr>
         </p:nvSpPr>
         <p:spPr/>
@@ -6434,7 +6863,50 @@
           <a:p>
             <a:r>
               <a:rPr lang="en-US" dirty="0" smtClean="0"/>
-              <a:t>Instructions to the system</a:t>
+              <a:t>Stranded vs Solid Core</a:t>
+            </a:r>
+          </a:p>
+          <a:p>
+            <a:r>
+              <a:rPr lang="en-US" dirty="0" smtClean="0"/>
+              <a:t>Male vs. Female</a:t>
+            </a:r>
+          </a:p>
+          <a:p>
+            <a:r>
+              <a:rPr lang="en-US" dirty="0" smtClean="0"/>
+              <a:t>10 – 22 AWG</a:t>
+            </a:r>
+          </a:p>
+          <a:p>
+            <a:pPr lvl="1"/>
+            <a:r>
+              <a:rPr lang="en-US" dirty="0" smtClean="0"/>
+              <a:t>Smaller the number the thicker the wire</a:t>
+            </a:r>
+          </a:p>
+          <a:p>
+            <a:r>
+              <a:rPr lang="en-US" dirty="0" smtClean="0"/>
+              <a:t>PWM (3-wire ribbon cable)</a:t>
+            </a:r>
+          </a:p>
+          <a:p>
+            <a:r>
+              <a:rPr lang="en-US" dirty="0" smtClean="0"/>
+              <a:t>Crimp Connectors</a:t>
+            </a:r>
+          </a:p>
+          <a:p>
+            <a:r>
+              <a:rPr lang="en-US" dirty="0" smtClean="0"/>
+              <a:t>Anderson Connectors</a:t>
+            </a:r>
+          </a:p>
+          <a:p>
+            <a:r>
+              <a:rPr lang="en-US" dirty="0" smtClean="0"/>
+              <a:t>Solder Connections</a:t>
             </a:r>
             <a:endParaRPr lang="en-US" dirty="0"/>
           </a:p>
@@ -6443,7 +6915,160 @@
     </p:spTree>
     <p:extLst>
       <p:ext uri="{BB962C8B-B14F-4D97-AF65-F5344CB8AC3E}">
-        <p14:creationId xmlns:p14="http://schemas.microsoft.com/office/powerpoint/2010/main" val="1593660521"/>
+        <p14:creationId xmlns:p14="http://schemas.microsoft.com/office/powerpoint/2010/main" val="2340169117"/>
+      </p:ext>
+    </p:extLst>
+  </p:cSld>
+  <p:clrMapOvr>
+    <a:masterClrMapping/>
+  </p:clrMapOvr>
+</p:sld>
+</file>
+
+<file path=ppt/slides/slide8.xml><?xml version="1.0" encoding="utf-8"?>
+<p:sld xmlns:a="http://schemas.openxmlformats.org/drawingml/2006/main" xmlns:r="http://schemas.openxmlformats.org/officeDocument/2006/relationships" xmlns:p="http://schemas.openxmlformats.org/presentationml/2006/main">
+  <p:cSld>
+    <p:spTree>
+      <p:nvGrpSpPr>
+        <p:cNvPr id="1" name=""/>
+        <p:cNvGrpSpPr/>
+        <p:nvPr/>
+      </p:nvGrpSpPr>
+      <p:grpSpPr>
+        <a:xfrm>
+          <a:off x="0" y="0"/>
+          <a:ext cx="0" cy="0"/>
+          <a:chOff x="0" y="0"/>
+          <a:chExt cx="0" cy="0"/>
+        </a:xfrm>
+      </p:grpSpPr>
+      <p:sp>
+        <p:nvSpPr>
+          <p:cNvPr id="2" name="Title 1"/>
+          <p:cNvSpPr>
+            <a:spLocks noGrp="1"/>
+          </p:cNvSpPr>
+          <p:nvPr>
+            <p:ph type="title"/>
+          </p:nvPr>
+        </p:nvSpPr>
+        <p:spPr/>
+        <p:txBody>
+          <a:bodyPr/>
+          <a:lstStyle/>
+          <a:p>
+            <a:r>
+              <a:rPr lang="en-US" dirty="0" smtClean="0"/>
+              <a:t>How to wire</a:t>
+            </a:r>
+            <a:endParaRPr lang="en-US" dirty="0"/>
+          </a:p>
+        </p:txBody>
+      </p:sp>
+      <p:sp>
+        <p:nvSpPr>
+          <p:cNvPr id="3" name="Content Placeholder 2"/>
+          <p:cNvSpPr>
+            <a:spLocks noGrp="1"/>
+          </p:cNvSpPr>
+          <p:nvPr>
+            <p:ph idx="1"/>
+          </p:nvPr>
+        </p:nvSpPr>
+        <p:spPr/>
+        <p:txBody>
+          <a:bodyPr/>
+          <a:lstStyle/>
+          <a:p>
+            <a:endParaRPr lang="en-US" dirty="0"/>
+          </a:p>
+        </p:txBody>
+      </p:sp>
+    </p:spTree>
+    <p:extLst>
+      <p:ext uri="{BB962C8B-B14F-4D97-AF65-F5344CB8AC3E}">
+        <p14:creationId xmlns:p14="http://schemas.microsoft.com/office/powerpoint/2010/main" val="3003754209"/>
+      </p:ext>
+    </p:extLst>
+  </p:cSld>
+  <p:clrMapOvr>
+    <a:masterClrMapping/>
+  </p:clrMapOvr>
+</p:sld>
+</file>
+
+<file path=ppt/slides/slide9.xml><?xml version="1.0" encoding="utf-8"?>
+<p:sld xmlns:a="http://schemas.openxmlformats.org/drawingml/2006/main" xmlns:r="http://schemas.openxmlformats.org/officeDocument/2006/relationships" xmlns:p="http://schemas.openxmlformats.org/presentationml/2006/main">
+  <p:cSld>
+    <p:spTree>
+      <p:nvGrpSpPr>
+        <p:cNvPr id="1" name=""/>
+        <p:cNvGrpSpPr/>
+        <p:nvPr/>
+      </p:nvGrpSpPr>
+      <p:grpSpPr>
+        <a:xfrm>
+          <a:off x="0" y="0"/>
+          <a:ext cx="0" cy="0"/>
+          <a:chOff x="0" y="0"/>
+          <a:chExt cx="0" cy="0"/>
+        </a:xfrm>
+      </p:grpSpPr>
+      <p:sp>
+        <p:nvSpPr>
+          <p:cNvPr id="4" name="Title 3"/>
+          <p:cNvSpPr>
+            <a:spLocks noGrp="1"/>
+          </p:cNvSpPr>
+          <p:nvPr>
+            <p:ph type="title"/>
+          </p:nvPr>
+        </p:nvSpPr>
+        <p:spPr/>
+        <p:txBody>
+          <a:bodyPr/>
+          <a:lstStyle/>
+          <a:p>
+            <a:r>
+              <a:rPr lang="en-US" dirty="0" smtClean="0"/>
+              <a:t>Bad Wiring Practices</a:t>
+            </a:r>
+            <a:endParaRPr lang="en-US" dirty="0"/>
+          </a:p>
+        </p:txBody>
+      </p:sp>
+      <p:pic>
+        <p:nvPicPr>
+          <p:cNvPr id="7" name="Picture Placeholder 6"/>
+          <p:cNvPicPr>
+            <a:picLocks noGrp="1" noChangeAspect="1"/>
+          </p:cNvPicPr>
+          <p:nvPr>
+            <p:ph type="pic" idx="1"/>
+          </p:nvPr>
+        </p:nvPicPr>
+        <p:blipFill rotWithShape="1">
+          <a:blip r:embed="rId2">
+            <a:extLst>
+              <a:ext uri="{28A0092B-C50C-407E-A947-70E740481C1C}">
+                <a14:useLocalDpi xmlns:a14="http://schemas.microsoft.com/office/drawing/2010/main" val="0"/>
+              </a:ext>
+            </a:extLst>
+          </a:blip>
+          <a:srcRect l="-108" t="137" r="11511" b="34370"/>
+          <a:stretch/>
+        </p:blipFill>
+        <p:spPr>
+          <a:xfrm>
+            <a:off x="677333" y="557646"/>
+            <a:ext cx="8596668" cy="3845718"/>
+          </a:xfrm>
+        </p:spPr>
+      </p:pic>
+    </p:spTree>
+    <p:extLst>
+      <p:ext uri="{BB962C8B-B14F-4D97-AF65-F5344CB8AC3E}">
+        <p14:creationId xmlns:p14="http://schemas.microsoft.com/office/powerpoint/2010/main" val="4011198374"/>
       </p:ext>
     </p:extLst>
   </p:cSld>
